--- a/materials/gene-conditions.pptx
+++ b/materials/gene-conditions.pptx
@@ -6,6 +6,7 @@
   </p:sldMasterIdLst>
   <p:sldIdLst>
     <p:sldId id="256" r:id="rId2"/>
+    <p:sldId id="257" r:id="rId3"/>
   </p:sldIdLst>
   <p:sldSz cx="12192000" cy="6858000"/>
   <p:notesSz cx="6858000" cy="9144000"/>
@@ -104,6 +105,11 @@
       </a:defRPr>
     </a:lvl9pPr>
   </p:defaultTextStyle>
+  <p:extLst>
+    <p:ext uri="{EFAFB233-063F-42B5-8137-9DF3F51BA10A}">
+      <p15:sldGuideLst xmlns:p15="http://schemas.microsoft.com/office/powerpoint/2012/main"/>
+    </p:ext>
+  </p:extLst>
 </p:presentation>
 </file>
 
@@ -238,7 +244,7 @@
           <a:p>
             <a:fld id="{03EF1844-A4B0-499F-8D0B-2FBE99A4F1E3}" type="datetimeFigureOut">
               <a:rPr lang="zh-CN" altLang="en-US" smtClean="0"/>
-              <a:t>2016/5/21</a:t>
+              <a:t>2016/6/7</a:t>
             </a:fld>
             <a:endParaRPr lang="zh-CN" altLang="en-US"/>
           </a:p>
@@ -408,7 +414,7 @@
           <a:p>
             <a:fld id="{03EF1844-A4B0-499F-8D0B-2FBE99A4F1E3}" type="datetimeFigureOut">
               <a:rPr lang="zh-CN" altLang="en-US" smtClean="0"/>
-              <a:t>2016/5/21</a:t>
+              <a:t>2016/6/7</a:t>
             </a:fld>
             <a:endParaRPr lang="zh-CN" altLang="en-US"/>
           </a:p>
@@ -588,7 +594,7 @@
           <a:p>
             <a:fld id="{03EF1844-A4B0-499F-8D0B-2FBE99A4F1E3}" type="datetimeFigureOut">
               <a:rPr lang="zh-CN" altLang="en-US" smtClean="0"/>
-              <a:t>2016/5/21</a:t>
+              <a:t>2016/6/7</a:t>
             </a:fld>
             <a:endParaRPr lang="zh-CN" altLang="en-US"/>
           </a:p>
@@ -758,7 +764,7 @@
           <a:p>
             <a:fld id="{03EF1844-A4B0-499F-8D0B-2FBE99A4F1E3}" type="datetimeFigureOut">
               <a:rPr lang="zh-CN" altLang="en-US" smtClean="0"/>
-              <a:t>2016/5/21</a:t>
+              <a:t>2016/6/7</a:t>
             </a:fld>
             <a:endParaRPr lang="zh-CN" altLang="en-US"/>
           </a:p>
@@ -1004,7 +1010,7 @@
           <a:p>
             <a:fld id="{03EF1844-A4B0-499F-8D0B-2FBE99A4F1E3}" type="datetimeFigureOut">
               <a:rPr lang="zh-CN" altLang="en-US" smtClean="0"/>
-              <a:t>2016/5/21</a:t>
+              <a:t>2016/6/7</a:t>
             </a:fld>
             <a:endParaRPr lang="zh-CN" altLang="en-US"/>
           </a:p>
@@ -1236,7 +1242,7 @@
           <a:p>
             <a:fld id="{03EF1844-A4B0-499F-8D0B-2FBE99A4F1E3}" type="datetimeFigureOut">
               <a:rPr lang="zh-CN" altLang="en-US" smtClean="0"/>
-              <a:t>2016/5/21</a:t>
+              <a:t>2016/6/7</a:t>
             </a:fld>
             <a:endParaRPr lang="zh-CN" altLang="en-US"/>
           </a:p>
@@ -1603,7 +1609,7 @@
           <a:p>
             <a:fld id="{03EF1844-A4B0-499F-8D0B-2FBE99A4F1E3}" type="datetimeFigureOut">
               <a:rPr lang="zh-CN" altLang="en-US" smtClean="0"/>
-              <a:t>2016/5/21</a:t>
+              <a:t>2016/6/7</a:t>
             </a:fld>
             <a:endParaRPr lang="zh-CN" altLang="en-US"/>
           </a:p>
@@ -1721,7 +1727,7 @@
           <a:p>
             <a:fld id="{03EF1844-A4B0-499F-8D0B-2FBE99A4F1E3}" type="datetimeFigureOut">
               <a:rPr lang="zh-CN" altLang="en-US" smtClean="0"/>
-              <a:t>2016/5/21</a:t>
+              <a:t>2016/6/7</a:t>
             </a:fld>
             <a:endParaRPr lang="zh-CN" altLang="en-US"/>
           </a:p>
@@ -1816,7 +1822,7 @@
           <a:p>
             <a:fld id="{03EF1844-A4B0-499F-8D0B-2FBE99A4F1E3}" type="datetimeFigureOut">
               <a:rPr lang="zh-CN" altLang="en-US" smtClean="0"/>
-              <a:t>2016/5/21</a:t>
+              <a:t>2016/6/7</a:t>
             </a:fld>
             <a:endParaRPr lang="zh-CN" altLang="en-US"/>
           </a:p>
@@ -2093,7 +2099,7 @@
           <a:p>
             <a:fld id="{03EF1844-A4B0-499F-8D0B-2FBE99A4F1E3}" type="datetimeFigureOut">
               <a:rPr lang="zh-CN" altLang="en-US" smtClean="0"/>
-              <a:t>2016/5/21</a:t>
+              <a:t>2016/6/7</a:t>
             </a:fld>
             <a:endParaRPr lang="zh-CN" altLang="en-US"/>
           </a:p>
@@ -2346,7 +2352,7 @@
           <a:p>
             <a:fld id="{03EF1844-A4B0-499F-8D0B-2FBE99A4F1E3}" type="datetimeFigureOut">
               <a:rPr lang="zh-CN" altLang="en-US" smtClean="0"/>
-              <a:t>2016/5/21</a:t>
+              <a:t>2016/6/7</a:t>
             </a:fld>
             <a:endParaRPr lang="zh-CN" altLang="en-US"/>
           </a:p>
@@ -2559,7 +2565,7 @@
           <a:p>
             <a:fld id="{03EF1844-A4B0-499F-8D0B-2FBE99A4F1E3}" type="datetimeFigureOut">
               <a:rPr lang="zh-CN" altLang="en-US" smtClean="0"/>
-              <a:t>2016/5/21</a:t>
+              <a:t>2016/6/7</a:t>
             </a:fld>
             <a:endParaRPr lang="zh-CN" altLang="en-US"/>
           </a:p>
@@ -4039,6 +4045,921 @@
 </p:sld>
 </file>
 
+<file path=ppt/slides/slide2.xml><?xml version="1.0" encoding="utf-8"?>
+<p:sld xmlns:a="http://schemas.openxmlformats.org/drawingml/2006/main" xmlns:r="http://schemas.openxmlformats.org/officeDocument/2006/relationships" xmlns:p="http://schemas.openxmlformats.org/presentationml/2006/main">
+  <p:cSld>
+    <p:spTree>
+      <p:nvGrpSpPr>
+        <p:cNvPr id="1" name=""/>
+        <p:cNvGrpSpPr/>
+        <p:nvPr/>
+      </p:nvGrpSpPr>
+      <p:grpSpPr>
+        <a:xfrm>
+          <a:off x="0" y="0"/>
+          <a:ext cx="0" cy="0"/>
+          <a:chOff x="0" y="0"/>
+          <a:chExt cx="0" cy="0"/>
+        </a:xfrm>
+      </p:grpSpPr>
+      <p:sp>
+        <p:nvSpPr>
+          <p:cNvPr id="4" name="矩形 3"/>
+          <p:cNvSpPr/>
+          <p:nvPr/>
+        </p:nvSpPr>
+        <p:spPr>
+          <a:xfrm>
+            <a:off x="4790884" y="2115603"/>
+            <a:ext cx="2451786" cy="2373235"/>
+          </a:xfrm>
+          <a:prstGeom prst="rect">
+            <a:avLst/>
+          </a:prstGeom>
+          <a:noFill/>
+          <a:ln w="19050">
+            <a:solidFill>
+              <a:schemeClr val="accent1">
+                <a:shade val="50000"/>
+              </a:schemeClr>
+            </a:solidFill>
+          </a:ln>
+        </p:spPr>
+        <p:style>
+          <a:lnRef idx="2">
+            <a:schemeClr val="accent1">
+              <a:shade val="50000"/>
+            </a:schemeClr>
+          </a:lnRef>
+          <a:fillRef idx="1">
+            <a:schemeClr val="accent1"/>
+          </a:fillRef>
+          <a:effectRef idx="0">
+            <a:schemeClr val="accent1"/>
+          </a:effectRef>
+          <a:fontRef idx="minor">
+            <a:schemeClr val="lt1"/>
+          </a:fontRef>
+        </p:style>
+        <p:txBody>
+          <a:bodyPr rtlCol="0" anchor="ctr"/>
+          <a:lstStyle/>
+          <a:p>
+            <a:pPr algn="ctr"/>
+            <a:endParaRPr lang="zh-CN" altLang="en-US"/>
+          </a:p>
+        </p:txBody>
+      </p:sp>
+      <p:sp>
+        <p:nvSpPr>
+          <p:cNvPr id="6" name="矩形 5"/>
+          <p:cNvSpPr/>
+          <p:nvPr/>
+        </p:nvSpPr>
+        <p:spPr>
+          <a:xfrm>
+            <a:off x="7634224" y="2115579"/>
+            <a:ext cx="2451786" cy="2373235"/>
+          </a:xfrm>
+          <a:prstGeom prst="rect">
+            <a:avLst/>
+          </a:prstGeom>
+          <a:noFill/>
+          <a:ln w="19050">
+            <a:solidFill>
+              <a:schemeClr val="accent1">
+                <a:shade val="50000"/>
+              </a:schemeClr>
+            </a:solidFill>
+          </a:ln>
+        </p:spPr>
+        <p:style>
+          <a:lnRef idx="2">
+            <a:schemeClr val="accent1">
+              <a:shade val="50000"/>
+            </a:schemeClr>
+          </a:lnRef>
+          <a:fillRef idx="1">
+            <a:schemeClr val="accent1"/>
+          </a:fillRef>
+          <a:effectRef idx="0">
+            <a:schemeClr val="accent1"/>
+          </a:effectRef>
+          <a:fontRef idx="minor">
+            <a:schemeClr val="lt1"/>
+          </a:fontRef>
+        </p:style>
+        <p:txBody>
+          <a:bodyPr rtlCol="0" anchor="ctr"/>
+          <a:lstStyle/>
+          <a:p>
+            <a:pPr algn="ctr"/>
+            <a:endParaRPr lang="zh-CN" altLang="en-US"/>
+          </a:p>
+        </p:txBody>
+      </p:sp>
+      <p:sp>
+        <p:nvSpPr>
+          <p:cNvPr id="15" name="矩形 14"/>
+          <p:cNvSpPr/>
+          <p:nvPr/>
+        </p:nvSpPr>
+        <p:spPr>
+          <a:xfrm>
+            <a:off x="4790884" y="2115597"/>
+            <a:ext cx="603936" cy="2373235"/>
+          </a:xfrm>
+          <a:prstGeom prst="rect">
+            <a:avLst/>
+          </a:prstGeom>
+          <a:solidFill>
+            <a:schemeClr val="bg1">
+              <a:lumMod val="85000"/>
+            </a:schemeClr>
+          </a:solidFill>
+          <a:ln w="19050">
+            <a:solidFill>
+              <a:schemeClr val="accent1">
+                <a:shade val="50000"/>
+              </a:schemeClr>
+            </a:solidFill>
+          </a:ln>
+        </p:spPr>
+        <p:style>
+          <a:lnRef idx="2">
+            <a:schemeClr val="accent1">
+              <a:shade val="50000"/>
+            </a:schemeClr>
+          </a:lnRef>
+          <a:fillRef idx="1">
+            <a:schemeClr val="accent1"/>
+          </a:fillRef>
+          <a:effectRef idx="0">
+            <a:schemeClr val="accent1"/>
+          </a:effectRef>
+          <a:fontRef idx="minor">
+            <a:schemeClr val="lt1"/>
+          </a:fontRef>
+        </p:style>
+        <p:txBody>
+          <a:bodyPr rtlCol="0" anchor="ctr"/>
+          <a:lstStyle/>
+          <a:p>
+            <a:pPr algn="ctr"/>
+            <a:endParaRPr lang="zh-CN" altLang="en-US"/>
+          </a:p>
+        </p:txBody>
+      </p:sp>
+      <p:sp>
+        <p:nvSpPr>
+          <p:cNvPr id="18" name="矩形 17"/>
+          <p:cNvSpPr/>
+          <p:nvPr/>
+        </p:nvSpPr>
+        <p:spPr>
+          <a:xfrm>
+            <a:off x="5394820" y="2115597"/>
+            <a:ext cx="409575" cy="2373235"/>
+          </a:xfrm>
+          <a:prstGeom prst="rect">
+            <a:avLst/>
+          </a:prstGeom>
+          <a:solidFill>
+            <a:schemeClr val="accent2">
+              <a:lumMod val="20000"/>
+              <a:lumOff val="80000"/>
+            </a:schemeClr>
+          </a:solidFill>
+          <a:ln w="19050">
+            <a:solidFill>
+              <a:schemeClr val="accent1">
+                <a:shade val="50000"/>
+              </a:schemeClr>
+            </a:solidFill>
+          </a:ln>
+        </p:spPr>
+        <p:style>
+          <a:lnRef idx="2">
+            <a:schemeClr val="accent1">
+              <a:shade val="50000"/>
+            </a:schemeClr>
+          </a:lnRef>
+          <a:fillRef idx="1">
+            <a:schemeClr val="accent1"/>
+          </a:fillRef>
+          <a:effectRef idx="0">
+            <a:schemeClr val="accent1"/>
+          </a:effectRef>
+          <a:fontRef idx="minor">
+            <a:schemeClr val="lt1"/>
+          </a:fontRef>
+        </p:style>
+        <p:txBody>
+          <a:bodyPr rtlCol="0" anchor="ctr"/>
+          <a:lstStyle/>
+          <a:p>
+            <a:pPr algn="ctr"/>
+            <a:endParaRPr lang="zh-CN" altLang="en-US"/>
+          </a:p>
+        </p:txBody>
+      </p:sp>
+      <p:sp>
+        <p:nvSpPr>
+          <p:cNvPr id="19" name="矩形 18"/>
+          <p:cNvSpPr/>
+          <p:nvPr/>
+        </p:nvSpPr>
+        <p:spPr>
+          <a:xfrm>
+            <a:off x="5804395" y="2115597"/>
+            <a:ext cx="603936" cy="2373235"/>
+          </a:xfrm>
+          <a:prstGeom prst="rect">
+            <a:avLst/>
+          </a:prstGeom>
+          <a:solidFill>
+            <a:schemeClr val="accent5">
+              <a:lumMod val="40000"/>
+              <a:lumOff val="60000"/>
+            </a:schemeClr>
+          </a:solidFill>
+          <a:ln w="19050">
+            <a:solidFill>
+              <a:schemeClr val="accent1">
+                <a:shade val="50000"/>
+              </a:schemeClr>
+            </a:solidFill>
+          </a:ln>
+        </p:spPr>
+        <p:style>
+          <a:lnRef idx="2">
+            <a:schemeClr val="accent1">
+              <a:shade val="50000"/>
+            </a:schemeClr>
+          </a:lnRef>
+          <a:fillRef idx="1">
+            <a:schemeClr val="accent1"/>
+          </a:fillRef>
+          <a:effectRef idx="0">
+            <a:schemeClr val="accent1"/>
+          </a:effectRef>
+          <a:fontRef idx="minor">
+            <a:schemeClr val="lt1"/>
+          </a:fontRef>
+        </p:style>
+        <p:txBody>
+          <a:bodyPr rtlCol="0" anchor="ctr"/>
+          <a:lstStyle/>
+          <a:p>
+            <a:pPr algn="ctr"/>
+            <a:endParaRPr lang="zh-CN" altLang="en-US"/>
+          </a:p>
+        </p:txBody>
+      </p:sp>
+      <p:sp>
+        <p:nvSpPr>
+          <p:cNvPr id="20" name="矩形 19"/>
+          <p:cNvSpPr/>
+          <p:nvPr/>
+        </p:nvSpPr>
+        <p:spPr>
+          <a:xfrm>
+            <a:off x="6408331" y="2115591"/>
+            <a:ext cx="558114" cy="2373235"/>
+          </a:xfrm>
+          <a:prstGeom prst="rect">
+            <a:avLst/>
+          </a:prstGeom>
+          <a:solidFill>
+            <a:schemeClr val="accent4">
+              <a:lumMod val="40000"/>
+              <a:lumOff val="60000"/>
+            </a:schemeClr>
+          </a:solidFill>
+          <a:ln w="19050">
+            <a:solidFill>
+              <a:schemeClr val="accent1">
+                <a:shade val="50000"/>
+              </a:schemeClr>
+            </a:solidFill>
+          </a:ln>
+        </p:spPr>
+        <p:style>
+          <a:lnRef idx="2">
+            <a:schemeClr val="accent1">
+              <a:shade val="50000"/>
+            </a:schemeClr>
+          </a:lnRef>
+          <a:fillRef idx="1">
+            <a:schemeClr val="accent1"/>
+          </a:fillRef>
+          <a:effectRef idx="0">
+            <a:schemeClr val="accent1"/>
+          </a:effectRef>
+          <a:fontRef idx="minor">
+            <a:schemeClr val="lt1"/>
+          </a:fontRef>
+        </p:style>
+        <p:txBody>
+          <a:bodyPr rtlCol="0" anchor="ctr"/>
+          <a:lstStyle/>
+          <a:p>
+            <a:pPr algn="ctr"/>
+            <a:endParaRPr lang="zh-CN" altLang="en-US"/>
+          </a:p>
+        </p:txBody>
+      </p:sp>
+      <p:sp>
+        <p:nvSpPr>
+          <p:cNvPr id="21" name="矩形 20"/>
+          <p:cNvSpPr/>
+          <p:nvPr/>
+        </p:nvSpPr>
+        <p:spPr>
+          <a:xfrm>
+            <a:off x="6963613" y="2115579"/>
+            <a:ext cx="279057" cy="2373235"/>
+          </a:xfrm>
+          <a:prstGeom prst="rect">
+            <a:avLst/>
+          </a:prstGeom>
+          <a:solidFill>
+            <a:schemeClr val="accent2">
+              <a:lumMod val="60000"/>
+              <a:lumOff val="40000"/>
+            </a:schemeClr>
+          </a:solidFill>
+          <a:ln w="19050">
+            <a:solidFill>
+              <a:schemeClr val="accent1">
+                <a:shade val="50000"/>
+              </a:schemeClr>
+            </a:solidFill>
+          </a:ln>
+        </p:spPr>
+        <p:style>
+          <a:lnRef idx="2">
+            <a:schemeClr val="accent1">
+              <a:shade val="50000"/>
+            </a:schemeClr>
+          </a:lnRef>
+          <a:fillRef idx="1">
+            <a:schemeClr val="accent1"/>
+          </a:fillRef>
+          <a:effectRef idx="0">
+            <a:schemeClr val="accent1"/>
+          </a:effectRef>
+          <a:fontRef idx="minor">
+            <a:schemeClr val="lt1"/>
+          </a:fontRef>
+        </p:style>
+        <p:txBody>
+          <a:bodyPr rtlCol="0" anchor="ctr"/>
+          <a:lstStyle/>
+          <a:p>
+            <a:pPr algn="ctr"/>
+            <a:endParaRPr lang="zh-CN" altLang="en-US"/>
+          </a:p>
+        </p:txBody>
+      </p:sp>
+      <p:sp>
+        <p:nvSpPr>
+          <p:cNvPr id="22" name="矩形 21"/>
+          <p:cNvSpPr/>
+          <p:nvPr/>
+        </p:nvSpPr>
+        <p:spPr>
+          <a:xfrm rot="16200000">
+            <a:off x="2021524" y="2115591"/>
+            <a:ext cx="2373234" cy="2373235"/>
+          </a:xfrm>
+          <a:prstGeom prst="rect">
+            <a:avLst/>
+          </a:prstGeom>
+          <a:noFill/>
+          <a:ln w="19050">
+            <a:solidFill>
+              <a:schemeClr val="accent1">
+                <a:shade val="50000"/>
+              </a:schemeClr>
+            </a:solidFill>
+          </a:ln>
+        </p:spPr>
+        <p:style>
+          <a:lnRef idx="2">
+            <a:schemeClr val="accent1">
+              <a:shade val="50000"/>
+            </a:schemeClr>
+          </a:lnRef>
+          <a:fillRef idx="1">
+            <a:schemeClr val="accent1"/>
+          </a:fillRef>
+          <a:effectRef idx="0">
+            <a:schemeClr val="accent1"/>
+          </a:effectRef>
+          <a:fontRef idx="minor">
+            <a:schemeClr val="lt1"/>
+          </a:fontRef>
+        </p:style>
+        <p:txBody>
+          <a:bodyPr rtlCol="0" anchor="ctr"/>
+          <a:lstStyle/>
+          <a:p>
+            <a:pPr algn="ctr"/>
+            <a:endParaRPr lang="zh-CN" altLang="en-US"/>
+          </a:p>
+        </p:txBody>
+      </p:sp>
+      <p:sp>
+        <p:nvSpPr>
+          <p:cNvPr id="23" name="矩形 22"/>
+          <p:cNvSpPr/>
+          <p:nvPr/>
+        </p:nvSpPr>
+        <p:spPr>
+          <a:xfrm rot="16200000">
+            <a:off x="2906172" y="2096564"/>
+            <a:ext cx="603936" cy="2373235"/>
+          </a:xfrm>
+          <a:prstGeom prst="rect">
+            <a:avLst/>
+          </a:prstGeom>
+          <a:solidFill>
+            <a:schemeClr val="accent1">
+              <a:lumMod val="20000"/>
+              <a:lumOff val="80000"/>
+            </a:schemeClr>
+          </a:solidFill>
+          <a:ln w="19050">
+            <a:solidFill>
+              <a:schemeClr val="accent1">
+                <a:shade val="50000"/>
+              </a:schemeClr>
+            </a:solidFill>
+          </a:ln>
+        </p:spPr>
+        <p:style>
+          <a:lnRef idx="2">
+            <a:schemeClr val="accent1">
+              <a:shade val="50000"/>
+            </a:schemeClr>
+          </a:lnRef>
+          <a:fillRef idx="1">
+            <a:schemeClr val="accent1"/>
+          </a:fillRef>
+          <a:effectRef idx="0">
+            <a:schemeClr val="accent1"/>
+          </a:effectRef>
+          <a:fontRef idx="minor">
+            <a:schemeClr val="lt1"/>
+          </a:fontRef>
+        </p:style>
+        <p:txBody>
+          <a:bodyPr rtlCol="0" anchor="ctr"/>
+          <a:lstStyle/>
+          <a:p>
+            <a:pPr algn="ctr"/>
+            <a:endParaRPr lang="zh-CN" altLang="en-US"/>
+          </a:p>
+        </p:txBody>
+      </p:sp>
+      <p:sp>
+        <p:nvSpPr>
+          <p:cNvPr id="24" name="矩形 23"/>
+          <p:cNvSpPr/>
+          <p:nvPr/>
+        </p:nvSpPr>
+        <p:spPr>
+          <a:xfrm rot="16200000">
+            <a:off x="2999726" y="2606945"/>
+            <a:ext cx="416826" cy="2373235"/>
+          </a:xfrm>
+          <a:prstGeom prst="rect">
+            <a:avLst/>
+          </a:prstGeom>
+          <a:solidFill>
+            <a:schemeClr val="accent2">
+              <a:lumMod val="20000"/>
+              <a:lumOff val="80000"/>
+            </a:schemeClr>
+          </a:solidFill>
+          <a:ln w="19050">
+            <a:solidFill>
+              <a:schemeClr val="accent1">
+                <a:shade val="50000"/>
+              </a:schemeClr>
+            </a:solidFill>
+          </a:ln>
+        </p:spPr>
+        <p:style>
+          <a:lnRef idx="2">
+            <a:schemeClr val="accent1">
+              <a:shade val="50000"/>
+            </a:schemeClr>
+          </a:lnRef>
+          <a:fillRef idx="1">
+            <a:schemeClr val="accent1"/>
+          </a:fillRef>
+          <a:effectRef idx="0">
+            <a:schemeClr val="accent1"/>
+          </a:effectRef>
+          <a:fontRef idx="minor">
+            <a:schemeClr val="lt1"/>
+          </a:fontRef>
+        </p:style>
+        <p:txBody>
+          <a:bodyPr rtlCol="0" anchor="ctr"/>
+          <a:lstStyle/>
+          <a:p>
+            <a:pPr algn="ctr"/>
+            <a:endParaRPr lang="zh-CN" altLang="en-US"/>
+          </a:p>
+        </p:txBody>
+      </p:sp>
+      <p:sp>
+        <p:nvSpPr>
+          <p:cNvPr id="25" name="矩形 24"/>
+          <p:cNvSpPr/>
+          <p:nvPr/>
+        </p:nvSpPr>
+        <p:spPr>
+          <a:xfrm rot="16200000">
+            <a:off x="2906172" y="1509987"/>
+            <a:ext cx="603936" cy="2373235"/>
+          </a:xfrm>
+          <a:prstGeom prst="rect">
+            <a:avLst/>
+          </a:prstGeom>
+          <a:solidFill>
+            <a:schemeClr val="accent6">
+              <a:lumMod val="40000"/>
+              <a:lumOff val="60000"/>
+            </a:schemeClr>
+          </a:solidFill>
+          <a:ln w="19050">
+            <a:solidFill>
+              <a:schemeClr val="accent1">
+                <a:shade val="50000"/>
+              </a:schemeClr>
+            </a:solidFill>
+          </a:ln>
+        </p:spPr>
+        <p:style>
+          <a:lnRef idx="2">
+            <a:schemeClr val="accent1">
+              <a:shade val="50000"/>
+            </a:schemeClr>
+          </a:lnRef>
+          <a:fillRef idx="1">
+            <a:schemeClr val="accent1"/>
+          </a:fillRef>
+          <a:effectRef idx="0">
+            <a:schemeClr val="accent1"/>
+          </a:effectRef>
+          <a:fontRef idx="minor">
+            <a:schemeClr val="lt1"/>
+          </a:fontRef>
+        </p:style>
+        <p:txBody>
+          <a:bodyPr rtlCol="0" anchor="ctr"/>
+          <a:lstStyle/>
+          <a:p>
+            <a:pPr algn="ctr"/>
+            <a:endParaRPr lang="zh-CN" altLang="en-US"/>
+          </a:p>
+        </p:txBody>
+      </p:sp>
+      <p:sp>
+        <p:nvSpPr>
+          <p:cNvPr id="26" name="矩形 25"/>
+          <p:cNvSpPr/>
+          <p:nvPr/>
+        </p:nvSpPr>
+        <p:spPr>
+          <a:xfrm rot="16200000">
+            <a:off x="2964714" y="3058782"/>
+            <a:ext cx="486851" cy="2373235"/>
+          </a:xfrm>
+          <a:prstGeom prst="rect">
+            <a:avLst/>
+          </a:prstGeom>
+          <a:solidFill>
+            <a:schemeClr val="accent4">
+              <a:lumMod val="20000"/>
+              <a:lumOff val="80000"/>
+            </a:schemeClr>
+          </a:solidFill>
+          <a:ln w="19050">
+            <a:solidFill>
+              <a:schemeClr val="accent1">
+                <a:shade val="50000"/>
+              </a:schemeClr>
+            </a:solidFill>
+          </a:ln>
+        </p:spPr>
+        <p:style>
+          <a:lnRef idx="2">
+            <a:schemeClr val="accent1">
+              <a:shade val="50000"/>
+            </a:schemeClr>
+          </a:lnRef>
+          <a:fillRef idx="1">
+            <a:schemeClr val="accent1"/>
+          </a:fillRef>
+          <a:effectRef idx="0">
+            <a:schemeClr val="accent1"/>
+          </a:effectRef>
+          <a:fontRef idx="minor">
+            <a:schemeClr val="lt1"/>
+          </a:fontRef>
+        </p:style>
+        <p:txBody>
+          <a:bodyPr rtlCol="0" anchor="ctr"/>
+          <a:lstStyle/>
+          <a:p>
+            <a:pPr algn="ctr"/>
+            <a:endParaRPr lang="zh-CN" altLang="en-US"/>
+          </a:p>
+        </p:txBody>
+      </p:sp>
+      <p:sp>
+        <p:nvSpPr>
+          <p:cNvPr id="27" name="矩形 26"/>
+          <p:cNvSpPr/>
+          <p:nvPr/>
+        </p:nvSpPr>
+        <p:spPr>
+          <a:xfrm rot="16200000">
+            <a:off x="3068612" y="1068490"/>
+            <a:ext cx="279057" cy="2373235"/>
+          </a:xfrm>
+          <a:prstGeom prst="rect">
+            <a:avLst/>
+          </a:prstGeom>
+          <a:solidFill>
+            <a:schemeClr val="accent3">
+              <a:lumMod val="20000"/>
+              <a:lumOff val="80000"/>
+            </a:schemeClr>
+          </a:solidFill>
+          <a:ln w="19050">
+            <a:solidFill>
+              <a:schemeClr val="accent1">
+                <a:shade val="50000"/>
+              </a:schemeClr>
+            </a:solidFill>
+          </a:ln>
+        </p:spPr>
+        <p:style>
+          <a:lnRef idx="2">
+            <a:schemeClr val="accent1">
+              <a:shade val="50000"/>
+            </a:schemeClr>
+          </a:lnRef>
+          <a:fillRef idx="1">
+            <a:schemeClr val="accent1"/>
+          </a:fillRef>
+          <a:effectRef idx="0">
+            <a:schemeClr val="accent1"/>
+          </a:effectRef>
+          <a:fontRef idx="minor">
+            <a:schemeClr val="lt1"/>
+          </a:fontRef>
+        </p:style>
+        <p:txBody>
+          <a:bodyPr rtlCol="0" anchor="ctr"/>
+          <a:lstStyle/>
+          <a:p>
+            <a:pPr algn="ctr"/>
+            <a:endParaRPr lang="zh-CN" altLang="en-US"/>
+          </a:p>
+        </p:txBody>
+      </p:sp>
+      <p:sp>
+        <p:nvSpPr>
+          <p:cNvPr id="28" name="矩形 27"/>
+          <p:cNvSpPr/>
+          <p:nvPr/>
+        </p:nvSpPr>
+        <p:spPr>
+          <a:xfrm>
+            <a:off x="8130680" y="2266710"/>
+            <a:ext cx="958037" cy="714504"/>
+          </a:xfrm>
+          <a:prstGeom prst="rect">
+            <a:avLst/>
+          </a:prstGeom>
+          <a:solidFill>
+            <a:schemeClr val="accent1">
+              <a:lumMod val="40000"/>
+              <a:lumOff val="60000"/>
+            </a:schemeClr>
+          </a:solidFill>
+          <a:ln w="19050">
+            <a:solidFill>
+              <a:schemeClr val="accent1">
+                <a:shade val="50000"/>
+              </a:schemeClr>
+            </a:solidFill>
+          </a:ln>
+        </p:spPr>
+        <p:style>
+          <a:lnRef idx="2">
+            <a:schemeClr val="accent1">
+              <a:shade val="50000"/>
+            </a:schemeClr>
+          </a:lnRef>
+          <a:fillRef idx="1">
+            <a:schemeClr val="accent1"/>
+          </a:fillRef>
+          <a:effectRef idx="0">
+            <a:schemeClr val="accent1"/>
+          </a:effectRef>
+          <a:fontRef idx="minor">
+            <a:schemeClr val="lt1"/>
+          </a:fontRef>
+        </p:style>
+        <p:txBody>
+          <a:bodyPr rtlCol="0" anchor="ctr"/>
+          <a:lstStyle/>
+          <a:p>
+            <a:pPr algn="ctr"/>
+            <a:endParaRPr lang="zh-CN" altLang="en-US"/>
+          </a:p>
+        </p:txBody>
+      </p:sp>
+      <p:sp>
+        <p:nvSpPr>
+          <p:cNvPr id="29" name="矩形 28"/>
+          <p:cNvSpPr/>
+          <p:nvPr/>
+        </p:nvSpPr>
+        <p:spPr>
+          <a:xfrm>
+            <a:off x="8807532" y="2696604"/>
+            <a:ext cx="988993" cy="999096"/>
+          </a:xfrm>
+          <a:prstGeom prst="rect">
+            <a:avLst/>
+          </a:prstGeom>
+          <a:solidFill>
+            <a:schemeClr val="accent3">
+              <a:lumMod val="40000"/>
+              <a:lumOff val="60000"/>
+            </a:schemeClr>
+          </a:solidFill>
+          <a:ln w="19050">
+            <a:solidFill>
+              <a:schemeClr val="accent1">
+                <a:shade val="50000"/>
+              </a:schemeClr>
+            </a:solidFill>
+          </a:ln>
+        </p:spPr>
+        <p:style>
+          <a:lnRef idx="2">
+            <a:schemeClr val="accent1">
+              <a:shade val="50000"/>
+            </a:schemeClr>
+          </a:lnRef>
+          <a:fillRef idx="1">
+            <a:schemeClr val="accent1"/>
+          </a:fillRef>
+          <a:effectRef idx="0">
+            <a:schemeClr val="accent1"/>
+          </a:effectRef>
+          <a:fontRef idx="minor">
+            <a:schemeClr val="lt1"/>
+          </a:fontRef>
+        </p:style>
+        <p:txBody>
+          <a:bodyPr rtlCol="0" anchor="ctr"/>
+          <a:lstStyle/>
+          <a:p>
+            <a:pPr algn="ctr"/>
+            <a:endParaRPr lang="zh-CN" altLang="en-US"/>
+          </a:p>
+        </p:txBody>
+      </p:sp>
+      <p:sp>
+        <p:nvSpPr>
+          <p:cNvPr id="30" name="矩形 29"/>
+          <p:cNvSpPr/>
+          <p:nvPr/>
+        </p:nvSpPr>
+        <p:spPr>
+          <a:xfrm>
+            <a:off x="7996455" y="3644148"/>
+            <a:ext cx="521592" cy="549699"/>
+          </a:xfrm>
+          <a:prstGeom prst="rect">
+            <a:avLst/>
+          </a:prstGeom>
+          <a:solidFill>
+            <a:schemeClr val="accent2">
+              <a:lumMod val="40000"/>
+              <a:lumOff val="60000"/>
+            </a:schemeClr>
+          </a:solidFill>
+          <a:ln w="19050">
+            <a:solidFill>
+              <a:schemeClr val="accent1">
+                <a:shade val="50000"/>
+              </a:schemeClr>
+            </a:solidFill>
+          </a:ln>
+        </p:spPr>
+        <p:style>
+          <a:lnRef idx="2">
+            <a:schemeClr val="accent1">
+              <a:shade val="50000"/>
+            </a:schemeClr>
+          </a:lnRef>
+          <a:fillRef idx="1">
+            <a:schemeClr val="accent1"/>
+          </a:fillRef>
+          <a:effectRef idx="0">
+            <a:schemeClr val="accent1"/>
+          </a:effectRef>
+          <a:fontRef idx="minor">
+            <a:schemeClr val="lt1"/>
+          </a:fontRef>
+        </p:style>
+        <p:txBody>
+          <a:bodyPr rtlCol="0" anchor="ctr"/>
+          <a:lstStyle/>
+          <a:p>
+            <a:pPr algn="ctr"/>
+            <a:endParaRPr lang="zh-CN" altLang="en-US"/>
+          </a:p>
+        </p:txBody>
+      </p:sp>
+      <p:sp>
+        <p:nvSpPr>
+          <p:cNvPr id="31" name="矩形 30"/>
+          <p:cNvSpPr/>
+          <p:nvPr/>
+        </p:nvSpPr>
+        <p:spPr>
+          <a:xfrm>
+            <a:off x="8806278" y="2696604"/>
+            <a:ext cx="282439" cy="284609"/>
+          </a:xfrm>
+          <a:prstGeom prst="rect">
+            <a:avLst/>
+          </a:prstGeom>
+          <a:solidFill>
+            <a:schemeClr val="tx2">
+              <a:lumMod val="60000"/>
+              <a:lumOff val="40000"/>
+            </a:schemeClr>
+          </a:solidFill>
+          <a:ln w="19050">
+            <a:solidFill>
+              <a:schemeClr val="accent1">
+                <a:shade val="50000"/>
+              </a:schemeClr>
+            </a:solidFill>
+          </a:ln>
+        </p:spPr>
+        <p:style>
+          <a:lnRef idx="2">
+            <a:schemeClr val="accent1">
+              <a:shade val="50000"/>
+            </a:schemeClr>
+          </a:lnRef>
+          <a:fillRef idx="1">
+            <a:schemeClr val="accent1"/>
+          </a:fillRef>
+          <a:effectRef idx="0">
+            <a:schemeClr val="accent1"/>
+          </a:effectRef>
+          <a:fontRef idx="minor">
+            <a:schemeClr val="lt1"/>
+          </a:fontRef>
+        </p:style>
+        <p:txBody>
+          <a:bodyPr rtlCol="0" anchor="ctr"/>
+          <a:lstStyle/>
+          <a:p>
+            <a:pPr algn="ctr"/>
+            <a:endParaRPr lang="zh-CN" altLang="en-US"/>
+          </a:p>
+        </p:txBody>
+      </p:sp>
+    </p:spTree>
+    <p:extLst>
+      <p:ext uri="{BB962C8B-B14F-4D97-AF65-F5344CB8AC3E}">
+        <p14:creationId xmlns:p14="http://schemas.microsoft.com/office/powerpoint/2010/main" val="2808922633"/>
+      </p:ext>
+    </p:extLst>
+  </p:cSld>
+  <p:clrMapOvr>
+    <a:masterClrMapping/>
+  </p:clrMapOvr>
+</p:sld>
+</file>
+
 <file path=ppt/theme/theme1.xml><?xml version="1.0" encoding="utf-8"?>
 <a:theme xmlns:a="http://schemas.openxmlformats.org/drawingml/2006/main" name="Office 主题">
   <a:themeElements>
